--- a/documentos/Banner_FECAP_CComp5_BBS.pptx
+++ b/documentos/Banner_FECAP_CComp5_BBS.pptx
@@ -4254,7 +4254,7 @@
         <p:spPr bwMode="auto">
           <a:xfrm>
             <a:off x="690522" y="4992304"/>
-            <a:ext cx="13284851" cy="4339650"/>
+            <a:ext cx="13284851" cy="3754874"/>
           </a:xfrm>
           <a:prstGeom prst="rect">
             <a:avLst/>
@@ -4305,7 +4305,7 @@
             </a:pPr>
             <a:r>
               <a:rPr lang="pt-BR" sz="2400" dirty="0"/>
-              <a:t> 	 Somos a BBS - </a:t>
+              <a:t> 	Nossa Metodologia Ágil Para garantir inovação e eficiência em nossa solução de IA aplicada à análise de dados, a BBS - </a:t>
             </a:r>
             <a:r>
               <a:rPr lang="pt-BR" sz="2400" dirty="0" err="1"/>
@@ -4321,7 +4321,26 @@
             </a:r>
             <a:r>
               <a:rPr lang="pt-BR" sz="2400" dirty="0"/>
-              <a:t> equipe do curso de Ciência da Computação, com foco em inovação tecnológica e inteligência artificial aplicada à análise de dados. Reunimos nossas habilidades desenvolvidas ao decorrer do curso e nesse semestre com o objetivo de entregar uma solução robusta, escalável e voltada à tomada de decisão inteligente. Nossa divisão de trabalho foi estruturada para garantir eficiência em todas as etapas do projeto sendo  —João sendo o maior responsável pelo desenvolvimento do modelo de Machine Learning, enquanto Luís Felipe cuidada da confirmação  e correlação  com a parte de cálculos, para averiguar os resultados e Aleff e Matheus focaram e na parte dos sistema, da implementação do Docker e mediar as outras áreas, lembrando que todos se apoiaram em todas as partes, visando um teste de qualidade para o melhor resultado possível.</a:t>
+              <a:t> adotou uma cultura ágil baseada em Sprints e gestão visual </a:t>
+            </a:r>
+            <a:r>
+              <a:rPr lang="pt-BR" sz="2400" dirty="0" err="1"/>
+              <a:t>Kanban</a:t>
+            </a:r>
+            <a:r>
+              <a:rPr lang="pt-BR" sz="2400" dirty="0"/>
+              <a:t>. </a:t>
+            </a:r>
+          </a:p>
+          <a:p>
+            <a:pPr algn="just" defTabSz="1678349" eaLnBrk="1" hangingPunct="1">
+              <a:spcAft>
+                <a:spcPts val="1200"/>
+              </a:spcAft>
+            </a:pPr>
+            <a:r>
+              <a:rPr lang="pt-BR" sz="2400" dirty="0"/>
+              <a:t>	Nossa abordagem multidisciplinar integrou, em ciclos iterativos, o desenvolvimento de modelos de Machine Learning, a validação rigorosa de resultados e a implementação de uma infraestrutura escalável. Essa dinâmica colaborativa assegurou testes contínuos de qualidade a cada etapa, resultando em uma ferramenta robusta e confiável para a tomada de decisão inteligente.</a:t>
             </a:r>
           </a:p>
         </p:txBody>
@@ -4623,7 +4642,7 @@
         <p:spPr bwMode="auto">
           <a:xfrm>
             <a:off x="14653154" y="4992305"/>
-            <a:ext cx="13284851" cy="4195700"/>
+            <a:ext cx="13284851" cy="4349589"/>
           </a:xfrm>
           <a:prstGeom prst="rect">
             <a:avLst/>
@@ -4682,9 +4701,19 @@
             </a:r>
             <a:r>
               <a:rPr lang="pt-BR" sz="2400" dirty="0"/>
-              <a:t>  Restaurantes e Foodtechs operam em um mercado ultracompetitivo, mas enfrentam uma dificuldade crucial que identificamos e desejamos sanar, entender o que seus clientes realmente o comportamento, o que eles querem e pensam . A falta de clareza sobre o esses aspectos do consumidor e as tendências emergentes muito rápidas e voláteis nas redes sociais resulta em campanhas de marketing genéricas, com baixo engajamento, decisões pouco assertivas e desperdício de recursos.</a:t>
-            </a:r>
-            <a:endParaRPr lang="pt-BR" sz="2666" dirty="0"/>
+              <a:t> Restaurantes e foodtechs operam em um mercado ultracompetitivo, mas enfrentam uma dificuldade crucial, que identificamos e desejamos sanar: entender realmente o comportamento de seus clientes, o que eles querem e pensam.</a:t>
+            </a:r>
+          </a:p>
+          <a:p>
+            <a:pPr algn="just" defTabSz="1678349" eaLnBrk="1" hangingPunct="1">
+              <a:spcAft>
+                <a:spcPts val="1200"/>
+              </a:spcAft>
+            </a:pPr>
+            <a:r>
+              <a:rPr lang="pt-BR" sz="2400" dirty="0"/>
+              <a:t>	Essa falta de clareza sobre o consumidor, aliada à incapacidade de medir a satisfação e a fidelidade, resulta na perda de clientes recorrentes para a concorrência, baixo engajamento, decisões pouco assertivas e desperdício de recursos.</a:t>
+            </a:r>
           </a:p>
           <a:p>
             <a:pPr algn="just" defTabSz="1678349" eaLnBrk="1" hangingPunct="1">
@@ -4768,39 +4797,78 @@
             </a:r>
           </a:p>
           <a:p>
+            <a:pPr algn="just"/>
+            <a:r>
+              <a:rPr lang="pt-BR" sz="3733" dirty="0"/>
+              <a:t> </a:t>
+            </a:r>
+            <a:r>
+              <a:rPr lang="pt-BR" sz="2666" dirty="0"/>
+              <a:t>	</a:t>
+            </a:r>
+            <a:r>
+              <a:rPr lang="pt-BR" sz="2400" dirty="0"/>
+              <a:t>A nossa plataforma inteligente que utiliza Machine Learning para transformar tendências do Google Trends e dados de redes sociais em insights estratégicos. Nosso painel interativo permite aos gestores criar campanhas de marketing assertivas através da correlação de:</a:t>
+            </a:r>
+          </a:p>
+          <a:p>
+            <a:pPr marL="342900" indent="-342900" algn="just">
+              <a:lnSpc>
+                <a:spcPct val="200000"/>
+              </a:lnSpc>
+              <a:buFont typeface="Arial" panose="020B0604020202020204" pitchFamily="34" charset="0"/>
+              <a:buChar char="•"/>
+            </a:pPr>
+            <a:r>
+              <a:rPr lang="pt-BR" sz="2400" b="1" dirty="0"/>
+              <a:t>Tendências de Mercado:</a:t>
+            </a:r>
+            <a:r>
+              <a:rPr lang="pt-BR" sz="2400" dirty="0"/>
+              <a:t> Monitoramento externo do que está em alta.</a:t>
+            </a:r>
+          </a:p>
+          <a:p>
+            <a:pPr marL="342900" indent="-342900" algn="just">
+              <a:lnSpc>
+                <a:spcPct val="200000"/>
+              </a:lnSpc>
+              <a:buFont typeface="Arial" panose="020B0604020202020204" pitchFamily="34" charset="0"/>
+              <a:buChar char="•"/>
+            </a:pPr>
+            <a:r>
+              <a:rPr lang="pt-BR" sz="2400" b="1" dirty="0"/>
+              <a:t>Dados Internos:</a:t>
+            </a:r>
+            <a:r>
+              <a:rPr lang="pt-BR" sz="2400" dirty="0"/>
+              <a:t> Análise do comportamento real dos clientes do restaurante.</a:t>
+            </a:r>
+          </a:p>
+          <a:p>
+            <a:pPr marL="342900" indent="-342900" algn="just">
+              <a:lnSpc>
+                <a:spcPct val="200000"/>
+              </a:lnSpc>
+              <a:buFont typeface="Arial" panose="020B0604020202020204" pitchFamily="34" charset="0"/>
+              <a:buChar char="•"/>
+            </a:pPr>
+            <a:r>
+              <a:rPr lang="pt-BR" sz="2400" b="1" dirty="0"/>
+              <a:t>Estratégia Alinhada:</a:t>
+            </a:r>
+            <a:r>
+              <a:rPr lang="pt-BR" sz="2400" dirty="0"/>
+              <a:t> Ações focadas exatamente no desejo do público-alvo.</a:t>
+            </a:r>
+          </a:p>
+          <a:p>
             <a:pPr algn="just" defTabSz="1678349" eaLnBrk="1" hangingPunct="1">
               <a:spcAft>
                 <a:spcPts val="1200"/>
               </a:spcAft>
             </a:pPr>
-            <a:r>
-              <a:rPr lang="pt-BR" sz="3733" dirty="0"/>
-              <a:t> </a:t>
-            </a:r>
-            <a:r>
-              <a:rPr lang="pt-BR" sz="2666" dirty="0"/>
-              <a:t>	</a:t>
-            </a:r>
-            <a:r>
-              <a:rPr lang="pt-BR" sz="2400" dirty="0"/>
-              <a:t>  Apresentamos o </a:t>
-            </a:r>
-            <a:r>
-              <a:rPr lang="pt-BR" sz="2400" dirty="0" err="1"/>
-              <a:t>Bite</a:t>
-            </a:r>
-            <a:r>
-              <a:rPr lang="pt-BR" sz="2400" dirty="0"/>
-              <a:t> Bit </a:t>
-            </a:r>
-            <a:r>
-              <a:rPr lang="pt-BR" sz="2400" dirty="0" err="1"/>
-              <a:t>Solution</a:t>
-            </a:r>
-            <a:r>
-              <a:rPr lang="pt-BR" sz="2400" dirty="0"/>
-              <a:t> (BBS): uma plataforma inteligente que transforma o caos de todos os dados das redes sociais em insights estratégicos. Utilizando Machine Learning , nosso sistema varre e analisa ativamente as tendências de consumo, com foco principal nos dados emergentes do Google Threads , para identificar padrões e preferências reais do público. O resultado é um painel interativo que entrega aos gestores, insights automáticos , permitindo a criação de campanhas de marketing muito mais assertivas com o objetivo do restaurante, sendo sustentáveis  e perfeitamente alinhadas ao que seu público realmente deseja. Vale lembrar que além, dos dados do Google Threads, usamos os dados disponíveis dos usuários (Clientes) dos nossos cliente (Restaurantes) para correlacionarmos com o nosso modelo e trazer o cenário ideal.</a:t>
-            </a:r>
+            <a:endParaRPr lang="pt-BR" sz="2400" dirty="0"/>
           </a:p>
         </p:txBody>
       </p:sp>
@@ -5041,31 +5109,92 @@
             </a:r>
           </a:p>
           <a:p>
+            <a:pPr algn="just"/>
+            <a:r>
+              <a:rPr lang="pt-BR" sz="3733" dirty="0"/>
+              <a:t> </a:t>
+            </a:r>
+            <a:r>
+              <a:rPr lang="pt-BR" sz="2666" dirty="0"/>
+              <a:t>	</a:t>
+            </a:r>
+            <a:r>
+              <a:rPr lang="pt-BR" sz="2400" dirty="0"/>
+              <a:t>Este é apenas o começo. Nossa visão é consolidar a </a:t>
+            </a:r>
+            <a:r>
+              <a:rPr lang="pt-BR" sz="2400" dirty="0" err="1"/>
+              <a:t>Canolli</a:t>
+            </a:r>
+            <a:r>
+              <a:rPr lang="pt-BR" sz="2400" dirty="0"/>
+              <a:t> como a ferramenta definitiva de inteligência de mercado para foodtechs. Nosso </a:t>
+            </a:r>
+            <a:r>
+              <a:rPr lang="pt-BR" sz="2400" dirty="0" err="1"/>
+              <a:t>roadmap</a:t>
+            </a:r>
+            <a:r>
+              <a:rPr lang="pt-BR" sz="2400" dirty="0"/>
+              <a:t> futuro inclui:</a:t>
+            </a:r>
+          </a:p>
+          <a:p>
+            <a:pPr marL="396000" indent="-342900" algn="just">
+              <a:buFont typeface="Arial" panose="020B0604020202020204" pitchFamily="34" charset="0"/>
+              <a:buChar char="•"/>
+            </a:pPr>
+            <a:r>
+              <a:rPr lang="pt-BR" sz="2400" b="1" dirty="0"/>
+              <a:t>Visão 360º Real:</a:t>
+            </a:r>
+            <a:r>
+              <a:rPr lang="pt-BR" sz="2400" dirty="0"/>
+              <a:t> Integração de análise de sentimento de redes sociais e dados de plataformas de delivery.</a:t>
+            </a:r>
+          </a:p>
+          <a:p>
+            <a:pPr marL="396000" indent="-342900" algn="just">
+              <a:buFont typeface="Arial" panose="020B0604020202020204" pitchFamily="34" charset="0"/>
+              <a:buChar char="•"/>
+            </a:pPr>
+            <a:r>
+              <a:rPr lang="pt-BR" sz="2400" b="1" dirty="0"/>
+              <a:t>IA Prescritiva:</a:t>
+            </a:r>
+            <a:r>
+              <a:rPr lang="pt-BR" sz="2400" dirty="0"/>
+              <a:t> Evolução dos modelos para antecipar demandas, otimizar estoques automaticamente e sugerir ações de marketing em tempo real.</a:t>
+            </a:r>
+          </a:p>
+          <a:p>
+            <a:pPr marL="396000" indent="-342900" algn="just">
+              <a:buFont typeface="Arial" panose="020B0604020202020204" pitchFamily="34" charset="0"/>
+              <a:buChar char="•"/>
+            </a:pPr>
+            <a:r>
+              <a:rPr lang="pt-BR" sz="2400" b="1" dirty="0"/>
+              <a:t>Escala SaaS:</a:t>
+            </a:r>
+            <a:r>
+              <a:rPr lang="pt-BR" sz="2400" dirty="0"/>
+              <a:t> Democratização do acesso para pequenas e médias empresas, permitindo personalização de ofertas com precisão algorítmica.</a:t>
+            </a:r>
+          </a:p>
+          <a:p>
+            <a:pPr algn="just"/>
+            <a:r>
+              <a:rPr lang="pt-BR" sz="2400" dirty="0"/>
+              <a:t>	Estamos redefinindo o setor, transformando dados em decisões que eliminam o desperdício e impulsionam a inovação sustentável.</a:t>
+            </a:r>
+          </a:p>
+          <a:p>
             <a:pPr algn="just" defTabSz="1678349" eaLnBrk="1" hangingPunct="1">
               <a:spcAft>
                 <a:spcPts val="1200"/>
               </a:spcAft>
             </a:pPr>
-            <a:r>
-              <a:rPr lang="pt-BR" sz="3733" dirty="0"/>
-              <a:t> </a:t>
-            </a:r>
-            <a:r>
-              <a:rPr lang="pt-BR" sz="2666" dirty="0"/>
-              <a:t>	</a:t>
-            </a:r>
-            <a:r>
-              <a:rPr lang="pt-BR" sz="2400" dirty="0"/>
-              <a:t>  Este é apenas o começo. Nossa visão é escalar o BBS para se tornar a principal ferramenta de inteligência de mercado para o setor </a:t>
-            </a:r>
-            <a:r>
-              <a:rPr lang="pt-BR" sz="2400"/>
-              <a:t>de Foodtechs, </a:t>
-            </a:r>
-            <a:r>
-              <a:rPr lang="pt-BR" sz="2400" dirty="0"/>
-              <a:t>ampliando significativamente nosso impacto no setor alimentício. Nossos próximos passos incluem a Expansão de Dados, incorporando novas fontes  (além do Google Threads) para uma análise 360º das tendências do momento, e aprimorar nossa Inteligência Preditiva, evoluindo os modelos de Machine Learning e Inteligência artificial para não apenas relatar, mas prever futuras demandas de consumo. Focaremos também no Acesso Escalável, ampliando o alcance da plataforma para fortalecer a tomada de decisão sustentável e baseada em evidências para pequenas e médias empresas, ajudando-as a aumentar o engajamento com os clientes , reduzir desperdícios e impulsionar a verdadeira inovação no setor. Tudo isso e correlação com a tecnologia e poder do Machine Learning e Inteligência artificial pode. Gerar.</a:t>
-            </a:r>
+            <a:endParaRPr lang="pt-BR" sz="2400" dirty="0"/>
           </a:p>
         </p:txBody>
       </p:sp>
@@ -5220,106 +5349,331 @@
       </p:pic>
       <p:sp>
         <p:nvSpPr>
-          <p:cNvPr id="3" name="Retângulo 2">
+          <p:cNvPr id="11" name="CaixaDeTexto 10">
             <a:extLst>
               <a:ext uri="{FF2B5EF4-FFF2-40B4-BE49-F238E27FC236}">
-                <a16:creationId xmlns:a16="http://schemas.microsoft.com/office/drawing/2014/main" id="{35790FAD-68F8-97DB-8843-21ACA7890591}"/>
+                <a16:creationId xmlns:a16="http://schemas.microsoft.com/office/drawing/2014/main" id="{4CB9C773-3C9A-AF4D-25BE-E89D4877D12D}"/>
               </a:ext>
             </a:extLst>
           </p:cNvPr>
-          <p:cNvSpPr/>
+          <p:cNvSpPr txBox="1"/>
           <p:nvPr/>
         </p:nvSpPr>
-        <p:spPr bwMode="auto">
+        <p:spPr>
           <a:xfrm>
-            <a:off x="1240923" y="12364434"/>
-            <a:ext cx="26108801" cy="19809633"/>
+            <a:off x="7248833" y="20403562"/>
+            <a:ext cx="14910618" cy="1343766"/>
           </a:xfrm>
           <a:prstGeom prst="rect">
             <a:avLst/>
           </a:prstGeom>
-          <a:solidFill>
-            <a:schemeClr val="accent1"/>
-          </a:solidFill>
-          <a:ln w="9525" cap="flat" cmpd="sng" algn="ctr">
+          <a:noFill/>
+        </p:spPr>
+        <p:txBody>
+          <a:bodyPr wrap="square">
+            <a:spAutoFit/>
+          </a:bodyPr>
+          <a:lstStyle/>
+          <a:p>
+            <a:r>
+              <a:rPr lang="pt-BR" b="0" dirty="0">
+                <a:effectLst/>
+              </a:rPr>
+              <a:t> </a:t>
+            </a:r>
+            <a:endParaRPr lang="pt-BR" dirty="0"/>
+          </a:p>
+        </p:txBody>
+      </p:sp>
+      <p:pic>
+        <p:nvPicPr>
+          <p:cNvPr id="1030" name="Picture 6">
+            <a:extLst>
+              <a:ext uri="{FF2B5EF4-FFF2-40B4-BE49-F238E27FC236}">
+                <a16:creationId xmlns:a16="http://schemas.microsoft.com/office/drawing/2014/main" id="{48FBA46D-2C0E-E48E-4DBE-6E638874150E}"/>
+              </a:ext>
+            </a:extLst>
+          </p:cNvPr>
+          <p:cNvPicPr>
+            <a:picLocks noChangeAspect="1" noChangeArrowheads="1"/>
+          </p:cNvPicPr>
+          <p:nvPr/>
+        </p:nvPicPr>
+        <p:blipFill>
+          <a:blip r:embed="rId6">
+            <a:extLst>
+              <a:ext uri="{28A0092B-C50C-407E-A947-70E740481C1C}">
+                <a14:useLocalDpi xmlns:a14="http://schemas.microsoft.com/office/drawing/2010/main" val="0"/>
+              </a:ext>
+            </a:extLst>
+          </a:blip>
+          <a:srcRect/>
+          <a:stretch>
+            <a:fillRect/>
+          </a:stretch>
+        </p:blipFill>
+        <p:spPr bwMode="auto">
+          <a:xfrm>
+            <a:off x="4404180" y="28842054"/>
+            <a:ext cx="5375919" cy="3313750"/>
+          </a:xfrm>
+          <a:prstGeom prst="rect">
+            <a:avLst/>
+          </a:prstGeom>
+          <a:noFill/>
+          <a:extLst>
+            <a:ext uri="{909E8E84-426E-40DD-AFC4-6F175D3DCCD1}">
+              <a14:hiddenFill xmlns:a14="http://schemas.microsoft.com/office/drawing/2010/main">
+                <a:solidFill>
+                  <a:srgbClr val="FFFFFF"/>
+                </a:solidFill>
+              </a14:hiddenFill>
+            </a:ext>
+          </a:extLst>
+        </p:spPr>
+      </p:pic>
+      <p:pic>
+        <p:nvPicPr>
+          <p:cNvPr id="1032" name="Picture 8">
+            <a:extLst>
+              <a:ext uri="{FF2B5EF4-FFF2-40B4-BE49-F238E27FC236}">
+                <a16:creationId xmlns:a16="http://schemas.microsoft.com/office/drawing/2014/main" id="{5AB3EEB1-3275-B9F4-4CF4-CAA6B6836257}"/>
+              </a:ext>
+            </a:extLst>
+          </p:cNvPr>
+          <p:cNvPicPr>
+            <a:picLocks noChangeAspect="1" noChangeArrowheads="1"/>
+          </p:cNvPicPr>
+          <p:nvPr/>
+        </p:nvPicPr>
+        <p:blipFill>
+          <a:blip r:embed="rId7">
+            <a:extLst>
+              <a:ext uri="{28A0092B-C50C-407E-A947-70E740481C1C}">
+                <a14:useLocalDpi xmlns:a14="http://schemas.microsoft.com/office/drawing/2010/main" val="0"/>
+              </a:ext>
+            </a:extLst>
+          </a:blip>
+          <a:srcRect/>
+          <a:stretch>
+            <a:fillRect/>
+          </a:stretch>
+        </p:blipFill>
+        <p:spPr bwMode="auto">
+          <a:xfrm>
+            <a:off x="10288794" y="28806355"/>
+            <a:ext cx="3314700" cy="3314700"/>
+          </a:xfrm>
+          <a:prstGeom prst="rect">
+            <a:avLst/>
+          </a:prstGeom>
+          <a:noFill/>
+          <a:extLst>
+            <a:ext uri="{909E8E84-426E-40DD-AFC4-6F175D3DCCD1}">
+              <a14:hiddenFill xmlns:a14="http://schemas.microsoft.com/office/drawing/2010/main">
+                <a:solidFill>
+                  <a:srgbClr val="FFFFFF"/>
+                </a:solidFill>
+              </a14:hiddenFill>
+            </a:ext>
+          </a:extLst>
+        </p:spPr>
+      </p:pic>
+      <p:pic>
+        <p:nvPicPr>
+          <p:cNvPr id="1034" name="Picture 10">
+            <a:extLst>
+              <a:ext uri="{FF2B5EF4-FFF2-40B4-BE49-F238E27FC236}">
+                <a16:creationId xmlns:a16="http://schemas.microsoft.com/office/drawing/2014/main" id="{5ADA3E41-C1C0-5176-1620-D228FA0C4767}"/>
+              </a:ext>
+            </a:extLst>
+          </p:cNvPr>
+          <p:cNvPicPr>
+            <a:picLocks noChangeAspect="1" noChangeArrowheads="1"/>
+          </p:cNvPicPr>
+          <p:nvPr/>
+        </p:nvPicPr>
+        <p:blipFill>
+          <a:blip r:embed="rId8">
+            <a:extLst>
+              <a:ext uri="{28A0092B-C50C-407E-A947-70E740481C1C}">
+                <a14:useLocalDpi xmlns:a14="http://schemas.microsoft.com/office/drawing/2010/main" val="0"/>
+              </a:ext>
+            </a:extLst>
+          </a:blip>
+          <a:srcRect/>
+          <a:stretch>
+            <a:fillRect/>
+          </a:stretch>
+        </p:blipFill>
+        <p:spPr bwMode="auto">
+          <a:xfrm>
+            <a:off x="1107741" y="29422881"/>
+            <a:ext cx="2698174" cy="2698174"/>
+          </a:xfrm>
+          <a:prstGeom prst="rect">
+            <a:avLst/>
+          </a:prstGeom>
+          <a:noFill/>
+          <a:extLst>
+            <a:ext uri="{909E8E84-426E-40DD-AFC4-6F175D3DCCD1}">
+              <a14:hiddenFill xmlns:a14="http://schemas.microsoft.com/office/drawing/2010/main">
+                <a:solidFill>
+                  <a:srgbClr val="FFFFFF"/>
+                </a:solidFill>
+              </a14:hiddenFill>
+            </a:ext>
+          </a:extLst>
+        </p:spPr>
+      </p:pic>
+      <p:pic>
+        <p:nvPicPr>
+          <p:cNvPr id="19" name="Imagem 18">
+            <a:extLst>
+              <a:ext uri="{FF2B5EF4-FFF2-40B4-BE49-F238E27FC236}">
+                <a16:creationId xmlns:a16="http://schemas.microsoft.com/office/drawing/2014/main" id="{2D157C70-C793-1F2F-693C-8B936219B244}"/>
+              </a:ext>
+            </a:extLst>
+          </p:cNvPr>
+          <p:cNvPicPr>
+            <a:picLocks noChangeAspect="1"/>
+          </p:cNvPicPr>
+          <p:nvPr/>
+        </p:nvPicPr>
+        <p:blipFill>
+          <a:blip r:embed="rId9"/>
+          <a:stretch>
+            <a:fillRect/>
+          </a:stretch>
+        </p:blipFill>
+        <p:spPr>
+          <a:xfrm>
+            <a:off x="4942978" y="11638317"/>
+            <a:ext cx="19420352" cy="7820359"/>
+          </a:xfrm>
+          <a:prstGeom prst="rect">
+            <a:avLst/>
+          </a:prstGeom>
+        </p:spPr>
+      </p:pic>
+      <p:pic>
+        <p:nvPicPr>
+          <p:cNvPr id="21" name="Imagem 20">
+            <a:extLst>
+              <a:ext uri="{FF2B5EF4-FFF2-40B4-BE49-F238E27FC236}">
+                <a16:creationId xmlns:a16="http://schemas.microsoft.com/office/drawing/2014/main" id="{C35765A8-8E2C-1A55-8B1C-41071670C566}"/>
+              </a:ext>
+            </a:extLst>
+          </p:cNvPr>
+          <p:cNvPicPr>
+            <a:picLocks noChangeAspect="1"/>
+          </p:cNvPicPr>
+          <p:nvPr/>
+        </p:nvPicPr>
+        <p:blipFill>
+          <a:blip r:embed="rId10"/>
+          <a:stretch>
+            <a:fillRect/>
+          </a:stretch>
+        </p:blipFill>
+        <p:spPr>
+          <a:xfrm>
+            <a:off x="22248357" y="28869629"/>
+            <a:ext cx="4295776" cy="4286770"/>
+          </a:xfrm>
+          <a:prstGeom prst="rect">
+            <a:avLst/>
+          </a:prstGeom>
+        </p:spPr>
+      </p:pic>
+      <p:pic>
+        <p:nvPicPr>
+          <p:cNvPr id="25" name="Imagem 24">
+            <a:extLst>
+              <a:ext uri="{FF2B5EF4-FFF2-40B4-BE49-F238E27FC236}">
+                <a16:creationId xmlns:a16="http://schemas.microsoft.com/office/drawing/2014/main" id="{B73718CC-DBFB-74CE-07A0-1B86F213259D}"/>
+              </a:ext>
+            </a:extLst>
+          </p:cNvPr>
+          <p:cNvPicPr>
+            <a:picLocks noChangeAspect="1"/>
+          </p:cNvPicPr>
+          <p:nvPr/>
+        </p:nvPicPr>
+        <p:blipFill>
+          <a:blip r:embed="rId11"/>
+          <a:stretch>
+            <a:fillRect/>
+          </a:stretch>
+        </p:blipFill>
+        <p:spPr>
+          <a:xfrm>
+            <a:off x="2456828" y="19690990"/>
+            <a:ext cx="8695929" cy="8916293"/>
+          </a:xfrm>
+          <a:prstGeom prst="rect">
+            <a:avLst/>
+          </a:prstGeom>
+          <a:ln w="38100" cap="sq">
             <a:solidFill>
-              <a:schemeClr val="tx1"/>
+              <a:srgbClr val="000000"/>
             </a:solidFill>
             <a:prstDash val="solid"/>
-            <a:round/>
-            <a:headEnd type="none" w="med" len="med"/>
-            <a:tailEnd type="none" w="med" len="med"/>
+            <a:miter lim="800000"/>
           </a:ln>
-          <a:effectLst/>
-        </p:spPr>
-        <p:txBody>
-          <a:bodyPr vert="horz" wrap="square" lIns="91440" tIns="45720" rIns="91440" bIns="45720" numCol="1" rtlCol="0" anchor="t" anchorCtr="0" compatLnSpc="1">
-            <a:prstTxWarp prst="textNoShape">
-              <a:avLst/>
-            </a:prstTxWarp>
-          </a:bodyPr>
-          <a:lstStyle/>
-          <a:p>
-            <a:pPr marL="0" marR="0" indent="0" algn="l" defTabSz="3086100" rtl="0" eaLnBrk="1" fontAlgn="base" latinLnBrk="0" hangingPunct="1">
-              <a:lnSpc>
-                <a:spcPct val="100000"/>
-              </a:lnSpc>
-              <a:spcBef>
-                <a:spcPct val="0"/>
-              </a:spcBef>
-              <a:spcAft>
-                <a:spcPct val="0"/>
-              </a:spcAft>
-              <a:buClrTx/>
-              <a:buSzTx/>
-              <a:buFontTx/>
-              <a:buNone/>
-              <a:tabLst/>
-            </a:pPr>
-            <a:r>
-              <a:rPr kumimoji="0" lang="pt-BR" sz="6100" b="0" i="0" u="none" strike="noStrike" cap="none" normalizeH="0" baseline="0" dirty="0">
-                <a:ln>
-                  <a:noFill/>
-                </a:ln>
-                <a:solidFill>
-                  <a:schemeClr val="tx1"/>
-                </a:solidFill>
-                <a:effectLst/>
-                <a:latin typeface="Arial" charset="0"/>
-              </a:rPr>
-              <a:t>FALTA AS TELA DO PROTOTIPO FUNCIONANDO PARA POR O RESULTADO AQ, USAR A BIBILIOTECA STREMLIT PARA DEIXAR ALGO VISUAL!!!!</a:t>
-            </a:r>
-          </a:p>
-          <a:p>
-            <a:pPr marL="0" marR="0" indent="0" algn="l" defTabSz="3086100" rtl="0" eaLnBrk="1" fontAlgn="base" latinLnBrk="0" hangingPunct="1">
-              <a:lnSpc>
-                <a:spcPct val="100000"/>
-              </a:lnSpc>
-              <a:spcBef>
-                <a:spcPct val="0"/>
-              </a:spcBef>
-              <a:spcAft>
-                <a:spcPct val="0"/>
-              </a:spcAft>
-              <a:buClrTx/>
-              <a:buSzTx/>
-              <a:buFontTx/>
-              <a:buNone/>
-              <a:tabLst/>
-            </a:pPr>
-            <a:endParaRPr kumimoji="0" lang="pt-BR" sz="6100" b="0" i="0" u="none" strike="noStrike" cap="none" normalizeH="0" baseline="0" dirty="0">
-              <a:ln>
-                <a:noFill/>
-              </a:ln>
-              <a:solidFill>
-                <a:schemeClr val="tx1"/>
-              </a:solidFill>
-              <a:effectLst/>
-              <a:latin typeface="Arial" charset="0"/>
-            </a:endParaRPr>
-          </a:p>
-        </p:txBody>
-      </p:sp>
+          <a:effectLst>
+            <a:outerShdw blurRad="50800" dist="38100" dir="2700000" algn="tl" rotWithShape="0">
+              <a:srgbClr val="000000">
+                <a:alpha val="43000"/>
+              </a:srgbClr>
+            </a:outerShdw>
+          </a:effectLst>
+        </p:spPr>
+      </p:pic>
+      <p:pic>
+        <p:nvPicPr>
+          <p:cNvPr id="27" name="Imagem 26">
+            <a:extLst>
+              <a:ext uri="{FF2B5EF4-FFF2-40B4-BE49-F238E27FC236}">
+                <a16:creationId xmlns:a16="http://schemas.microsoft.com/office/drawing/2014/main" id="{CA6731A2-16AD-C69F-4414-B7877CA5CB9F}"/>
+              </a:ext>
+            </a:extLst>
+          </p:cNvPr>
+          <p:cNvPicPr>
+            <a:picLocks noChangeAspect="1"/>
+          </p:cNvPicPr>
+          <p:nvPr/>
+        </p:nvPicPr>
+        <p:blipFill>
+          <a:blip r:embed="rId12"/>
+          <a:stretch>
+            <a:fillRect/>
+          </a:stretch>
+        </p:blipFill>
+        <p:spPr>
+          <a:xfrm>
+            <a:off x="13236460" y="19799848"/>
+            <a:ext cx="13410488" cy="8699842"/>
+          </a:xfrm>
+          <a:prstGeom prst="rect">
+            <a:avLst/>
+          </a:prstGeom>
+          <a:ln w="38100" cap="sq">
+            <a:solidFill>
+              <a:srgbClr val="000000"/>
+            </a:solidFill>
+            <a:prstDash val="solid"/>
+            <a:miter lim="800000"/>
+          </a:ln>
+          <a:effectLst>
+            <a:outerShdw blurRad="50800" dist="38100" dir="2700000" algn="tl" rotWithShape="0">
+              <a:srgbClr val="000000">
+                <a:alpha val="43000"/>
+              </a:srgbClr>
+            </a:outerShdw>
+          </a:effectLst>
+        </p:spPr>
+      </p:pic>
     </p:spTree>
     <p:extLst>
       <p:ext uri="{BB962C8B-B14F-4D97-AF65-F5344CB8AC3E}">
@@ -6743,6 +7097,17 @@
 </file>
 
 <file path=customXml/item1.xml><?xml version="1.0" encoding="utf-8"?>
+<p:properties xmlns:p="http://schemas.microsoft.com/office/2006/metadata/properties" xmlns:xsi="http://www.w3.org/2001/XMLSchema-instance" xmlns:pc="http://schemas.microsoft.com/office/infopath/2007/PartnerControls">
+  <documentManagement>
+    <lcf76f155ced4ddcb4097134ff3c332f xmlns="8ca2a57e-8138-4b57-956a-eb6e2c7049cc">
+      <Terms xmlns="http://schemas.microsoft.com/office/infopath/2007/PartnerControls"/>
+    </lcf76f155ced4ddcb4097134ff3c332f>
+    <TaxCatchAll xmlns="1d2798d9-1030-4cc5-be7b-200f9e628651" xsi:nil="true"/>
+  </documentManagement>
+</p:properties>
+</file>
+
+<file path=customXml/item2.xml><?xml version="1.0" encoding="utf-8"?>
 <ct:contentTypeSchema xmlns:ct="http://schemas.microsoft.com/office/2006/metadata/contentType" xmlns:ma="http://schemas.microsoft.com/office/2006/metadata/properties/metaAttributes" ct:_="" ma:_="" ma:contentTypeName="Documento" ma:contentTypeID="0x01010045364877AF745B4281652B53F43C594A" ma:contentTypeVersion="15" ma:contentTypeDescription="Crie um novo documento." ma:contentTypeScope="" ma:versionID="440a6fbbcbce65e3f8e2bed610644788">
   <xsd:schema xmlns:xsd="http://www.w3.org/2001/XMLSchema" xmlns:xs="http://www.w3.org/2001/XMLSchema" xmlns:p="http://schemas.microsoft.com/office/2006/metadata/properties" xmlns:ns2="1d2798d9-1030-4cc5-be7b-200f9e628651" xmlns:ns3="8ca2a57e-8138-4b57-956a-eb6e2c7049cc" targetNamespace="http://schemas.microsoft.com/office/2006/metadata/properties" ma:root="true" ma:fieldsID="3ff20d9b6411658b7762fa2c08d7e1af" ns2:_="" ns3:_="">
     <xsd:import namespace="1d2798d9-1030-4cc5-be7b-200f9e628651"/>
@@ -6977,17 +7342,6 @@
 </ct:contentTypeSchema>
 </file>
 
-<file path=customXml/item2.xml><?xml version="1.0" encoding="utf-8"?>
-<p:properties xmlns:p="http://schemas.microsoft.com/office/2006/metadata/properties" xmlns:xsi="http://www.w3.org/2001/XMLSchema-instance" xmlns:pc="http://schemas.microsoft.com/office/infopath/2007/PartnerControls">
-  <documentManagement>
-    <lcf76f155ced4ddcb4097134ff3c332f xmlns="8ca2a57e-8138-4b57-956a-eb6e2c7049cc">
-      <Terms xmlns="http://schemas.microsoft.com/office/infopath/2007/PartnerControls"/>
-    </lcf76f155ced4ddcb4097134ff3c332f>
-    <TaxCatchAll xmlns="1d2798d9-1030-4cc5-be7b-200f9e628651" xsi:nil="true"/>
-  </documentManagement>
-</p:properties>
-</file>
-
 <file path=customXml/item3.xml><?xml version="1.0" encoding="utf-8"?>
 <?mso-contentType ?>
 <FormTemplates xmlns="http://schemas.microsoft.com/sharepoint/v3/contenttype/forms">
@@ -6998,6 +7352,23 @@
 </file>
 
 <file path=customXml/itemProps1.xml><?xml version="1.0" encoding="utf-8"?>
+<ds:datastoreItem xmlns:ds="http://schemas.openxmlformats.org/officeDocument/2006/customXml" ds:itemID="{8C580D08-C850-4D98-9BB0-6190D1509D8A}">
+  <ds:schemaRefs>
+    <ds:schemaRef ds:uri="http://www.w3.org/XML/1998/namespace"/>
+    <ds:schemaRef ds:uri="1d2798d9-1030-4cc5-be7b-200f9e628651"/>
+    <ds:schemaRef ds:uri="http://purl.org/dc/elements/1.1/"/>
+    <ds:schemaRef ds:uri="http://schemas.microsoft.com/office/2006/documentManagement/types"/>
+    <ds:schemaRef ds:uri="http://purl.org/dc/dcmitype/"/>
+    <ds:schemaRef ds:uri="http://schemas.microsoft.com/office/2006/metadata/properties"/>
+    <ds:schemaRef ds:uri="http://schemas.microsoft.com/office/infopath/2007/PartnerControls"/>
+    <ds:schemaRef ds:uri="http://schemas.openxmlformats.org/package/2006/metadata/core-properties"/>
+    <ds:schemaRef ds:uri="8ca2a57e-8138-4b57-956a-eb6e2c7049cc"/>
+    <ds:schemaRef ds:uri="http://purl.org/dc/terms/"/>
+  </ds:schemaRefs>
+</ds:datastoreItem>
+</file>
+
+<file path=customXml/itemProps2.xml><?xml version="1.0" encoding="utf-8"?>
 <ds:datastoreItem xmlns:ds="http://schemas.openxmlformats.org/officeDocument/2006/customXml" ds:itemID="{B0583F25-0BD0-426F-9D18-6079E5A02729}">
   <ds:schemaRefs>
     <ds:schemaRef ds:uri="http://schemas.microsoft.com/office/2006/metadata/contentType"/>
@@ -7016,23 +7387,6 @@
 </ds:datastoreItem>
 </file>
 
-<file path=customXml/itemProps2.xml><?xml version="1.0" encoding="utf-8"?>
-<ds:datastoreItem xmlns:ds="http://schemas.openxmlformats.org/officeDocument/2006/customXml" ds:itemID="{8C580D08-C850-4D98-9BB0-6190D1509D8A}">
-  <ds:schemaRefs>
-    <ds:schemaRef ds:uri="http://www.w3.org/XML/1998/namespace"/>
-    <ds:schemaRef ds:uri="1d2798d9-1030-4cc5-be7b-200f9e628651"/>
-    <ds:schemaRef ds:uri="http://purl.org/dc/elements/1.1/"/>
-    <ds:schemaRef ds:uri="http://schemas.microsoft.com/office/2006/documentManagement/types"/>
-    <ds:schemaRef ds:uri="http://purl.org/dc/dcmitype/"/>
-    <ds:schemaRef ds:uri="http://schemas.microsoft.com/office/2006/metadata/properties"/>
-    <ds:schemaRef ds:uri="http://schemas.microsoft.com/office/infopath/2007/PartnerControls"/>
-    <ds:schemaRef ds:uri="http://schemas.openxmlformats.org/package/2006/metadata/core-properties"/>
-    <ds:schemaRef ds:uri="8ca2a57e-8138-4b57-956a-eb6e2c7049cc"/>
-    <ds:schemaRef ds:uri="http://purl.org/dc/terms/"/>
-  </ds:schemaRefs>
-</ds:datastoreItem>
-</file>
-
 <file path=customXml/itemProps3.xml><?xml version="1.0" encoding="utf-8"?>
 <ds:datastoreItem xmlns:ds="http://schemas.openxmlformats.org/officeDocument/2006/customXml" ds:itemID="{20511531-72C6-41EA-909D-35A50B0891E1}">
   <ds:schemaRefs>
